--- a/3. Spring/Day 1/Slides/3. Architecture and Project Setup/architecture-and-project-setup.pptx
+++ b/3. Spring/Day 1/Slides/3. Architecture and Project Setup/architecture-and-project-setup.pptx
@@ -2556,7 +2556,7 @@
           </a:solidFill>
         </p:spPr>
         <p:txBody>
-          <a:bodyPr vert="horz" wrap="square" lIns="0" tIns="1270" rIns="0" bIns="0" rtlCol="0">
+          <a:bodyPr vert="horz" wrap="square" lIns="0" tIns="1270" rIns="0" bIns="0" rtlCol="0" anchor="t" anchorCtr="0">
             <a:spAutoFit/>
           </a:bodyPr>
           <a:lstStyle/>
